--- a/Unit Test Course Outline.pptx
+++ b/Unit Test Course Outline.pptx
@@ -16,9 +16,15 @@
     <p:sldId id="264" r:id="rId14"/>
     <p:sldId id="259" r:id="rId15"/>
     <p:sldId id="260" r:id="rId16"/>
-    <p:sldId id="261" r:id="rId17"/>
-    <p:sldId id="262" r:id="rId18"/>
-    <p:sldId id="263" r:id="rId19"/>
+    <p:sldId id="266" r:id="rId17"/>
+    <p:sldId id="267" r:id="rId18"/>
+    <p:sldId id="261" r:id="rId19"/>
+    <p:sldId id="268" r:id="rId20"/>
+    <p:sldId id="262" r:id="rId21"/>
+    <p:sldId id="269" r:id="rId22"/>
+    <p:sldId id="270" r:id="rId23"/>
+    <p:sldId id="271" r:id="rId24"/>
+    <p:sldId id="263" r:id="rId25"/>
   </p:sldIdLst>
   <p:sldSz cx="9144000" cy="6858000" type="screen4x3"/>
   <p:notesSz cx="6858000" cy="9144000"/>
@@ -37853,29 +37859,20 @@
               <a:buAutoNum type="arabicPeriod"/>
             </a:pPr>
             <a:r>
-              <a:rPr lang="en-US" dirty="0" err="1" smtClean="0">
-                <a:hlinkClick r:id="rId4"/>
-              </a:rPr>
-              <a:t>MSTest</a:t>
-            </a:r>
-            <a:r>
-              <a:rPr lang="en-US" dirty="0" smtClean="0">
-                <a:hlinkClick r:id="rId4"/>
-              </a:rPr>
-              <a:t> Link</a:t>
-            </a:r>
-            <a:endParaRPr lang="en-US" dirty="0" smtClean="0"/>
-          </a:p>
-          <a:p>
-            <a:pPr marL="1085850" lvl="1" indent="-342900">
-              <a:buFont typeface="+mj-lt"/>
-              <a:buAutoNum type="arabicPeriod"/>
-            </a:pPr>
-            <a:r>
-              <a:rPr lang="en-US" dirty="0" smtClean="0">
-                <a:hlinkClick r:id="rId5"/>
-              </a:rPr>
-              <a:t>MOQ Link</a:t>
+              <a:rPr lang="en-US" dirty="0" smtClean="0"/>
+              <a:t>Review the </a:t>
+            </a:r>
+            <a:r>
+              <a:rPr lang="en-US" dirty="0" err="1" smtClean="0"/>
+              <a:t>QuickReferenceTests</a:t>
+            </a:r>
+            <a:r>
+              <a:rPr lang="en-US" dirty="0" smtClean="0"/>
+              <a:t> Project in </a:t>
+            </a:r>
+            <a:r>
+              <a:rPr lang="en-US" smtClean="0"/>
+              <a:t>the downloaded code.</a:t>
             </a:r>
             <a:endParaRPr lang="en-US" dirty="0" smtClean="0"/>
           </a:p>
@@ -37921,6 +37918,847 @@
     <p:extLst>
       <p:ext uri="{BB962C8B-B14F-4D97-AF65-F5344CB8AC3E}">
         <p14:creationId xmlns:p14="http://schemas.microsoft.com/office/powerpoint/2010/main" val="2991186567"/>
+      </p:ext>
+    </p:extLst>
+  </p:cSld>
+  <p:clrMapOvr>
+    <a:masterClrMapping/>
+  </p:clrMapOvr>
+  <mc:AlternateContent xmlns:mc="http://schemas.openxmlformats.org/markup-compatibility/2006" xmlns:p14="http://schemas.microsoft.com/office/powerpoint/2010/main">
+    <mc:Choice Requires="p14">
+      <p:transition spd="med" p14:dur="700">
+        <p:fade/>
+      </p:transition>
+    </mc:Choice>
+    <mc:Fallback xmlns="">
+      <p:transition spd="med">
+        <p:fade/>
+      </p:transition>
+    </mc:Fallback>
+  </mc:AlternateContent>
+</p:sld>
+</file>
+
+<file path=ppt/slides/slide10.xml><?xml version="1.0" encoding="utf-8"?>
+<p:sld xmlns:a="http://schemas.openxmlformats.org/drawingml/2006/main" xmlns:r="http://schemas.openxmlformats.org/officeDocument/2006/relationships" xmlns:p="http://schemas.openxmlformats.org/presentationml/2006/main">
+  <p:cSld>
+    <p:spTree>
+      <p:nvGrpSpPr>
+        <p:cNvPr id="1" name=""/>
+        <p:cNvGrpSpPr/>
+        <p:nvPr/>
+      </p:nvGrpSpPr>
+      <p:grpSpPr>
+        <a:xfrm>
+          <a:off x="0" y="0"/>
+          <a:ext cx="0" cy="0"/>
+          <a:chOff x="0" y="0"/>
+          <a:chExt cx="0" cy="0"/>
+        </a:xfrm>
+      </p:grpSpPr>
+      <p:sp>
+        <p:nvSpPr>
+          <p:cNvPr id="2" name="Title 1"/>
+          <p:cNvSpPr>
+            <a:spLocks noGrp="1"/>
+          </p:cNvSpPr>
+          <p:nvPr>
+            <p:ph type="ctrTitle"/>
+          </p:nvPr>
+        </p:nvSpPr>
+        <p:spPr/>
+        <p:txBody>
+          <a:bodyPr/>
+          <a:lstStyle/>
+          <a:p>
+            <a:r>
+              <a:rPr lang="en-US" dirty="0" smtClean="0"/>
+              <a:t>Setup Test using Class/Test Initializer</a:t>
+            </a:r>
+            <a:endParaRPr lang="en-US" dirty="0"/>
+          </a:p>
+        </p:txBody>
+      </p:sp>
+      <p:sp>
+        <p:nvSpPr>
+          <p:cNvPr id="3" name="Content Placeholder 2"/>
+          <p:cNvSpPr>
+            <a:spLocks noGrp="1"/>
+          </p:cNvSpPr>
+          <p:nvPr>
+            <p:ph sz="quarter" idx="10"/>
+          </p:nvPr>
+        </p:nvSpPr>
+        <p:spPr/>
+        <p:txBody>
+          <a:bodyPr/>
+          <a:lstStyle/>
+          <a:p>
+            <a:r>
+              <a:rPr lang="en-US" dirty="0" smtClean="0"/>
+              <a:t>Using Class and/or Test Initializer, setup the </a:t>
+            </a:r>
+            <a:r>
+              <a:rPr lang="en-US" dirty="0" err="1" smtClean="0"/>
+              <a:t>MSTest</a:t>
+            </a:r>
+            <a:r>
+              <a:rPr lang="en-US" dirty="0" smtClean="0"/>
+              <a:t> class for </a:t>
+            </a:r>
+            <a:r>
+              <a:rPr lang="en-US" dirty="0" err="1" smtClean="0"/>
+              <a:t>UnitTestWorkshop.Business.Providers.UserAccountProvider</a:t>
+            </a:r>
+            <a:r>
+              <a:rPr lang="en-US" dirty="0" smtClean="0"/>
+              <a:t>.</a:t>
+            </a:r>
+          </a:p>
+          <a:p>
+            <a:r>
+              <a:rPr lang="en-US" dirty="0" smtClean="0"/>
+              <a:t>Assume that you will eventually write tests against all methods in the class, but don’t actually write them.</a:t>
+            </a:r>
+            <a:endParaRPr lang="en-US" dirty="0"/>
+          </a:p>
+          <a:p>
+            <a:r>
+              <a:rPr lang="en-US" dirty="0" smtClean="0"/>
+              <a:t>Code Review with Group.</a:t>
+            </a:r>
+          </a:p>
+        </p:txBody>
+      </p:sp>
+      <p:sp>
+        <p:nvSpPr>
+          <p:cNvPr id="5" name="Text Placeholder 4"/>
+          <p:cNvSpPr>
+            <a:spLocks noGrp="1"/>
+          </p:cNvSpPr>
+          <p:nvPr>
+            <p:ph type="body" sz="quarter" idx="11"/>
+          </p:nvPr>
+        </p:nvSpPr>
+        <p:spPr/>
+        <p:txBody>
+          <a:bodyPr/>
+          <a:lstStyle/>
+          <a:p>
+            <a:endParaRPr lang="en-US"/>
+          </a:p>
+        </p:txBody>
+      </p:sp>
+    </p:spTree>
+    <p:extLst>
+      <p:ext uri="{BB962C8B-B14F-4D97-AF65-F5344CB8AC3E}">
+        <p14:creationId xmlns:p14="http://schemas.microsoft.com/office/powerpoint/2010/main" val="1253783291"/>
+      </p:ext>
+    </p:extLst>
+  </p:cSld>
+  <p:clrMapOvr>
+    <a:masterClrMapping/>
+  </p:clrMapOvr>
+  <mc:AlternateContent xmlns:mc="http://schemas.openxmlformats.org/markup-compatibility/2006" xmlns:p14="http://schemas.microsoft.com/office/powerpoint/2010/main">
+    <mc:Choice Requires="p14">
+      <p:transition spd="med" p14:dur="700">
+        <p:fade/>
+      </p:transition>
+    </mc:Choice>
+    <mc:Fallback xmlns="">
+      <p:transition spd="med">
+        <p:fade/>
+      </p:transition>
+    </mc:Fallback>
+  </mc:AlternateContent>
+</p:sld>
+</file>
+
+<file path=ppt/slides/slide11.xml><?xml version="1.0" encoding="utf-8"?>
+<p:sld xmlns:a="http://schemas.openxmlformats.org/drawingml/2006/main" xmlns:r="http://schemas.openxmlformats.org/officeDocument/2006/relationships" xmlns:p="http://schemas.openxmlformats.org/presentationml/2006/main">
+  <p:cSld>
+    <p:spTree>
+      <p:nvGrpSpPr>
+        <p:cNvPr id="1" name=""/>
+        <p:cNvGrpSpPr/>
+        <p:nvPr/>
+      </p:nvGrpSpPr>
+      <p:grpSpPr>
+        <a:xfrm>
+          <a:off x="0" y="0"/>
+          <a:ext cx="0" cy="0"/>
+          <a:chOff x="0" y="0"/>
+          <a:chExt cx="0" cy="0"/>
+        </a:xfrm>
+      </p:grpSpPr>
+      <p:sp>
+        <p:nvSpPr>
+          <p:cNvPr id="2" name="Title 1"/>
+          <p:cNvSpPr>
+            <a:spLocks noGrp="1"/>
+          </p:cNvSpPr>
+          <p:nvPr>
+            <p:ph type="ctrTitle"/>
+          </p:nvPr>
+        </p:nvSpPr>
+        <p:spPr/>
+        <p:txBody>
+          <a:bodyPr/>
+          <a:lstStyle/>
+          <a:p>
+            <a:r>
+              <a:rPr lang="en-US" dirty="0" smtClean="0"/>
+              <a:t>Slightly harder test (may contain bugs)</a:t>
+            </a:r>
+            <a:endParaRPr lang="en-US" dirty="0"/>
+          </a:p>
+        </p:txBody>
+      </p:sp>
+      <p:sp>
+        <p:nvSpPr>
+          <p:cNvPr id="3" name="Content Placeholder 2"/>
+          <p:cNvSpPr>
+            <a:spLocks noGrp="1"/>
+          </p:cNvSpPr>
+          <p:nvPr>
+            <p:ph sz="quarter" idx="10"/>
+          </p:nvPr>
+        </p:nvSpPr>
+        <p:spPr/>
+        <p:txBody>
+          <a:bodyPr/>
+          <a:lstStyle/>
+          <a:p>
+            <a:r>
+              <a:rPr lang="en-US" dirty="0" smtClean="0"/>
+              <a:t>Write unit test(s) around the </a:t>
+            </a:r>
+            <a:r>
+              <a:rPr lang="en-US" dirty="0" err="1" smtClean="0"/>
+              <a:t>UserAccountProvider.VerifyEmailIsntInUse</a:t>
+            </a:r>
+            <a:r>
+              <a:rPr lang="en-US" dirty="0" smtClean="0"/>
+              <a:t>() method.</a:t>
+            </a:r>
+          </a:p>
+          <a:p>
+            <a:r>
+              <a:rPr lang="en-US" dirty="0" smtClean="0"/>
+              <a:t>Group Code Review.</a:t>
+            </a:r>
+          </a:p>
+          <a:p>
+            <a:endParaRPr lang="en-US" dirty="0"/>
+          </a:p>
+        </p:txBody>
+      </p:sp>
+      <p:sp>
+        <p:nvSpPr>
+          <p:cNvPr id="7" name="Text Placeholder 6"/>
+          <p:cNvSpPr>
+            <a:spLocks noGrp="1"/>
+          </p:cNvSpPr>
+          <p:nvPr>
+            <p:ph type="body" sz="quarter" idx="11"/>
+          </p:nvPr>
+        </p:nvSpPr>
+        <p:spPr/>
+        <p:txBody>
+          <a:bodyPr/>
+          <a:lstStyle/>
+          <a:p>
+            <a:endParaRPr lang="en-US"/>
+          </a:p>
+        </p:txBody>
+      </p:sp>
+    </p:spTree>
+    <p:extLst>
+      <p:ext uri="{BB962C8B-B14F-4D97-AF65-F5344CB8AC3E}">
+        <p14:creationId xmlns:p14="http://schemas.microsoft.com/office/powerpoint/2010/main" val="1203451457"/>
+      </p:ext>
+    </p:extLst>
+  </p:cSld>
+  <p:clrMapOvr>
+    <a:masterClrMapping/>
+  </p:clrMapOvr>
+  <mc:AlternateContent xmlns:mc="http://schemas.openxmlformats.org/markup-compatibility/2006" xmlns:p14="http://schemas.microsoft.com/office/powerpoint/2010/main">
+    <mc:Choice Requires="p14">
+      <p:transition spd="med" p14:dur="700">
+        <p:fade/>
+      </p:transition>
+    </mc:Choice>
+    <mc:Fallback xmlns="">
+      <p:transition spd="med">
+        <p:fade/>
+      </p:transition>
+    </mc:Fallback>
+  </mc:AlternateContent>
+</p:sld>
+</file>
+
+<file path=ppt/slides/slide12.xml><?xml version="1.0" encoding="utf-8"?>
+<p:sld xmlns:a="http://schemas.openxmlformats.org/drawingml/2006/main" xmlns:r="http://schemas.openxmlformats.org/officeDocument/2006/relationships" xmlns:p="http://schemas.openxmlformats.org/presentationml/2006/main">
+  <p:cSld>
+    <p:spTree>
+      <p:nvGrpSpPr>
+        <p:cNvPr id="1" name=""/>
+        <p:cNvGrpSpPr/>
+        <p:nvPr/>
+      </p:nvGrpSpPr>
+      <p:grpSpPr>
+        <a:xfrm>
+          <a:off x="0" y="0"/>
+          <a:ext cx="0" cy="0"/>
+          <a:chOff x="0" y="0"/>
+          <a:chExt cx="0" cy="0"/>
+        </a:xfrm>
+      </p:grpSpPr>
+      <p:sp>
+        <p:nvSpPr>
+          <p:cNvPr id="2" name="Title 1"/>
+          <p:cNvSpPr>
+            <a:spLocks noGrp="1"/>
+          </p:cNvSpPr>
+          <p:nvPr>
+            <p:ph type="ctrTitle"/>
+          </p:nvPr>
+        </p:nvSpPr>
+        <p:spPr/>
+        <p:txBody>
+          <a:bodyPr/>
+          <a:lstStyle/>
+          <a:p>
+            <a:r>
+              <a:rPr lang="en-US" dirty="0" smtClean="0"/>
+              <a:t>Slightly harder test (may contain bugs)</a:t>
+            </a:r>
+            <a:endParaRPr lang="en-US" dirty="0"/>
+          </a:p>
+        </p:txBody>
+      </p:sp>
+      <p:sp>
+        <p:nvSpPr>
+          <p:cNvPr id="3" name="Content Placeholder 2"/>
+          <p:cNvSpPr>
+            <a:spLocks noGrp="1"/>
+          </p:cNvSpPr>
+          <p:nvPr>
+            <p:ph sz="quarter" idx="10"/>
+          </p:nvPr>
+        </p:nvSpPr>
+        <p:spPr/>
+        <p:txBody>
+          <a:bodyPr/>
+          <a:lstStyle/>
+          <a:p>
+            <a:r>
+              <a:rPr lang="en-US" dirty="0" smtClean="0"/>
+              <a:t>Write unit test(s) around the </a:t>
+            </a:r>
+            <a:r>
+              <a:rPr lang="en-US" dirty="0" err="1" smtClean="0"/>
+              <a:t>UserAccountProvider.VerifyEmailIsntInUse</a:t>
+            </a:r>
+            <a:r>
+              <a:rPr lang="en-US" dirty="0" smtClean="0"/>
+              <a:t>() method.</a:t>
+            </a:r>
+          </a:p>
+          <a:p>
+            <a:r>
+              <a:rPr lang="en-US" dirty="0" smtClean="0"/>
+              <a:t>Group Code Review.</a:t>
+            </a:r>
+          </a:p>
+          <a:p>
+            <a:r>
+              <a:rPr lang="en-US" dirty="0" smtClean="0"/>
+              <a:t>Discussion Points:</a:t>
+            </a:r>
+          </a:p>
+          <a:p>
+            <a:pPr marL="285750" indent="-285750">
+              <a:buFont typeface="Arial" panose="020B0604020202020204" pitchFamily="34" charset="0"/>
+              <a:buChar char="•"/>
+            </a:pPr>
+            <a:r>
+              <a:rPr lang="en-US" dirty="0" smtClean="0"/>
+              <a:t>Are there Bugs? If so, what were they? Use Tests to prove one way or the other.</a:t>
+            </a:r>
+          </a:p>
+          <a:p>
+            <a:pPr marL="285750" indent="-285750">
+              <a:buFont typeface="Arial" panose="020B0604020202020204" pitchFamily="34" charset="0"/>
+              <a:buChar char="•"/>
+            </a:pPr>
+            <a:r>
+              <a:rPr lang="en-US" dirty="0" smtClean="0"/>
+              <a:t>Is this method on the class contract?</a:t>
+            </a:r>
+          </a:p>
+          <a:p>
+            <a:pPr marL="285750" indent="-285750">
+              <a:buFont typeface="Arial" panose="020B0604020202020204" pitchFamily="34" charset="0"/>
+              <a:buChar char="•"/>
+            </a:pPr>
+            <a:r>
+              <a:rPr lang="en-US" dirty="0" smtClean="0"/>
+              <a:t>If the method isn’t on the contract, should it be public?</a:t>
+            </a:r>
+          </a:p>
+          <a:p>
+            <a:pPr marL="285750" indent="-285750">
+              <a:buFont typeface="Arial" panose="020B0604020202020204" pitchFamily="34" charset="0"/>
+              <a:buChar char="•"/>
+            </a:pPr>
+            <a:r>
+              <a:rPr lang="en-US" dirty="0" smtClean="0"/>
+              <a:t>If the method wasn’t public, how would you have tested it?</a:t>
+            </a:r>
+          </a:p>
+          <a:p>
+            <a:pPr marL="285750" indent="-285750">
+              <a:buFont typeface="Arial" panose="020B0604020202020204" pitchFamily="34" charset="0"/>
+              <a:buChar char="•"/>
+            </a:pPr>
+            <a:r>
+              <a:rPr lang="en-US" dirty="0" smtClean="0"/>
+              <a:t>What is SMG’s stance on this topic?</a:t>
+            </a:r>
+            <a:endParaRPr lang="en-US" dirty="0"/>
+          </a:p>
+          <a:p>
+            <a:endParaRPr lang="en-US" dirty="0"/>
+          </a:p>
+        </p:txBody>
+      </p:sp>
+      <p:sp>
+        <p:nvSpPr>
+          <p:cNvPr id="7" name="Text Placeholder 6"/>
+          <p:cNvSpPr>
+            <a:spLocks noGrp="1"/>
+          </p:cNvSpPr>
+          <p:nvPr>
+            <p:ph type="body" sz="quarter" idx="11"/>
+          </p:nvPr>
+        </p:nvSpPr>
+        <p:spPr/>
+        <p:txBody>
+          <a:bodyPr/>
+          <a:lstStyle/>
+          <a:p>
+            <a:endParaRPr lang="en-US"/>
+          </a:p>
+        </p:txBody>
+      </p:sp>
+    </p:spTree>
+    <p:extLst>
+      <p:ext uri="{BB962C8B-B14F-4D97-AF65-F5344CB8AC3E}">
+        <p14:creationId xmlns:p14="http://schemas.microsoft.com/office/powerpoint/2010/main" val="2477021082"/>
+      </p:ext>
+    </p:extLst>
+  </p:cSld>
+  <p:clrMapOvr>
+    <a:masterClrMapping/>
+  </p:clrMapOvr>
+  <mc:AlternateContent xmlns:mc="http://schemas.openxmlformats.org/markup-compatibility/2006" xmlns:p14="http://schemas.microsoft.com/office/powerpoint/2010/main">
+    <mc:Choice Requires="p14">
+      <p:transition spd="med" p14:dur="700">
+        <p:fade/>
+      </p:transition>
+    </mc:Choice>
+    <mc:Fallback xmlns="">
+      <p:transition spd="med">
+        <p:fade/>
+      </p:transition>
+    </mc:Fallback>
+  </mc:AlternateContent>
+</p:sld>
+</file>
+
+<file path=ppt/slides/slide13.xml><?xml version="1.0" encoding="utf-8"?>
+<p:sld xmlns:a="http://schemas.openxmlformats.org/drawingml/2006/main" xmlns:r="http://schemas.openxmlformats.org/officeDocument/2006/relationships" xmlns:p="http://schemas.openxmlformats.org/presentationml/2006/main">
+  <p:cSld>
+    <p:spTree>
+      <p:nvGrpSpPr>
+        <p:cNvPr id="1" name=""/>
+        <p:cNvGrpSpPr/>
+        <p:nvPr/>
+      </p:nvGrpSpPr>
+      <p:grpSpPr>
+        <a:xfrm>
+          <a:off x="0" y="0"/>
+          <a:ext cx="0" cy="0"/>
+          <a:chOff x="0" y="0"/>
+          <a:chExt cx="0" cy="0"/>
+        </a:xfrm>
+      </p:grpSpPr>
+      <p:sp>
+        <p:nvSpPr>
+          <p:cNvPr id="2" name="Title 1"/>
+          <p:cNvSpPr>
+            <a:spLocks noGrp="1"/>
+          </p:cNvSpPr>
+          <p:nvPr>
+            <p:ph type="ctrTitle"/>
+          </p:nvPr>
+        </p:nvSpPr>
+        <p:spPr/>
+        <p:txBody>
+          <a:bodyPr/>
+          <a:lstStyle/>
+          <a:p>
+            <a:r>
+              <a:rPr lang="en-US" dirty="0" smtClean="0"/>
+              <a:t>Slightly harder test (may contain bugs)</a:t>
+            </a:r>
+            <a:endParaRPr lang="en-US" dirty="0"/>
+          </a:p>
+        </p:txBody>
+      </p:sp>
+      <p:sp>
+        <p:nvSpPr>
+          <p:cNvPr id="3" name="Content Placeholder 2"/>
+          <p:cNvSpPr>
+            <a:spLocks noGrp="1"/>
+          </p:cNvSpPr>
+          <p:nvPr>
+            <p:ph sz="quarter" idx="10"/>
+          </p:nvPr>
+        </p:nvSpPr>
+        <p:spPr/>
+        <p:txBody>
+          <a:bodyPr/>
+          <a:lstStyle/>
+          <a:p>
+            <a:r>
+              <a:rPr lang="en-US" dirty="0" smtClean="0"/>
+              <a:t>Write unit test(s) around the </a:t>
+            </a:r>
+            <a:r>
+              <a:rPr lang="en-US" dirty="0" err="1" smtClean="0"/>
+              <a:t>UserAccountProvider</a:t>
+            </a:r>
+            <a:r>
+              <a:rPr lang="en-US" dirty="0" smtClean="0"/>
+              <a:t>.</a:t>
+            </a:r>
+            <a:r>
+              <a:rPr lang="en-US" dirty="0"/>
+              <a:t> </a:t>
+            </a:r>
+            <a:r>
+              <a:rPr lang="en-US" dirty="0" err="1"/>
+              <a:t>CreateAccount</a:t>
+            </a:r>
+            <a:r>
+              <a:rPr lang="en-US" dirty="0" smtClean="0"/>
+              <a:t>() method.</a:t>
+            </a:r>
+          </a:p>
+          <a:p>
+            <a:r>
+              <a:rPr lang="en-US" dirty="0" smtClean="0"/>
+              <a:t>Group Code Review.</a:t>
+            </a:r>
+          </a:p>
+          <a:p>
+            <a:endParaRPr lang="en-US" dirty="0"/>
+          </a:p>
+        </p:txBody>
+      </p:sp>
+      <p:sp>
+        <p:nvSpPr>
+          <p:cNvPr id="7" name="Text Placeholder 6"/>
+          <p:cNvSpPr>
+            <a:spLocks noGrp="1"/>
+          </p:cNvSpPr>
+          <p:nvPr>
+            <p:ph type="body" sz="quarter" idx="11"/>
+          </p:nvPr>
+        </p:nvSpPr>
+        <p:spPr/>
+        <p:txBody>
+          <a:bodyPr/>
+          <a:lstStyle/>
+          <a:p>
+            <a:endParaRPr lang="en-US"/>
+          </a:p>
+        </p:txBody>
+      </p:sp>
+    </p:spTree>
+    <p:extLst>
+      <p:ext uri="{BB962C8B-B14F-4D97-AF65-F5344CB8AC3E}">
+        <p14:creationId xmlns:p14="http://schemas.microsoft.com/office/powerpoint/2010/main" val="3263982978"/>
+      </p:ext>
+    </p:extLst>
+  </p:cSld>
+  <p:clrMapOvr>
+    <a:masterClrMapping/>
+  </p:clrMapOvr>
+  <mc:AlternateContent xmlns:mc="http://schemas.openxmlformats.org/markup-compatibility/2006" xmlns:p14="http://schemas.microsoft.com/office/powerpoint/2010/main">
+    <mc:Choice Requires="p14">
+      <p:transition spd="med" p14:dur="700">
+        <p:fade/>
+      </p:transition>
+    </mc:Choice>
+    <mc:Fallback xmlns="">
+      <p:transition spd="med">
+        <p:fade/>
+      </p:transition>
+    </mc:Fallback>
+  </mc:AlternateContent>
+</p:sld>
+</file>
+
+<file path=ppt/slides/slide14.xml><?xml version="1.0" encoding="utf-8"?>
+<p:sld xmlns:a="http://schemas.openxmlformats.org/drawingml/2006/main" xmlns:r="http://schemas.openxmlformats.org/officeDocument/2006/relationships" xmlns:p="http://schemas.openxmlformats.org/presentationml/2006/main">
+  <p:cSld>
+    <p:spTree>
+      <p:nvGrpSpPr>
+        <p:cNvPr id="1" name=""/>
+        <p:cNvGrpSpPr/>
+        <p:nvPr/>
+      </p:nvGrpSpPr>
+      <p:grpSpPr>
+        <a:xfrm>
+          <a:off x="0" y="0"/>
+          <a:ext cx="0" cy="0"/>
+          <a:chOff x="0" y="0"/>
+          <a:chExt cx="0" cy="0"/>
+        </a:xfrm>
+      </p:grpSpPr>
+      <p:sp>
+        <p:nvSpPr>
+          <p:cNvPr id="2" name="Title 1"/>
+          <p:cNvSpPr>
+            <a:spLocks noGrp="1"/>
+          </p:cNvSpPr>
+          <p:nvPr>
+            <p:ph type="ctrTitle"/>
+          </p:nvPr>
+        </p:nvSpPr>
+        <p:spPr/>
+        <p:txBody>
+          <a:bodyPr/>
+          <a:lstStyle/>
+          <a:p>
+            <a:r>
+              <a:rPr lang="en-US" dirty="0" smtClean="0"/>
+              <a:t>Slightly harder test (may contain bugs)</a:t>
+            </a:r>
+            <a:endParaRPr lang="en-US" dirty="0"/>
+          </a:p>
+        </p:txBody>
+      </p:sp>
+      <p:sp>
+        <p:nvSpPr>
+          <p:cNvPr id="3" name="Content Placeholder 2"/>
+          <p:cNvSpPr>
+            <a:spLocks noGrp="1"/>
+          </p:cNvSpPr>
+          <p:nvPr>
+            <p:ph sz="quarter" idx="10"/>
+          </p:nvPr>
+        </p:nvSpPr>
+        <p:spPr/>
+        <p:txBody>
+          <a:bodyPr/>
+          <a:lstStyle/>
+          <a:p>
+            <a:r>
+              <a:rPr lang="en-US" dirty="0" smtClean="0"/>
+              <a:t>Write unit test(s) around the </a:t>
+            </a:r>
+            <a:r>
+              <a:rPr lang="en-US" dirty="0" err="1" smtClean="0"/>
+              <a:t>UserAccountProvider</a:t>
+            </a:r>
+            <a:r>
+              <a:rPr lang="en-US" dirty="0" smtClean="0"/>
+              <a:t>.</a:t>
+            </a:r>
+            <a:r>
+              <a:rPr lang="en-US" dirty="0"/>
+              <a:t> </a:t>
+            </a:r>
+            <a:r>
+              <a:rPr lang="en-US" dirty="0" err="1"/>
+              <a:t>CreateAccount</a:t>
+            </a:r>
+            <a:r>
+              <a:rPr lang="en-US" dirty="0" smtClean="0"/>
+              <a:t>() method.</a:t>
+            </a:r>
+          </a:p>
+          <a:p>
+            <a:r>
+              <a:rPr lang="en-US" dirty="0" smtClean="0"/>
+              <a:t>Group Code Review.</a:t>
+            </a:r>
+          </a:p>
+          <a:p>
+            <a:r>
+              <a:rPr lang="en-US" dirty="0" smtClean="0"/>
+              <a:t>Discussion Points:</a:t>
+            </a:r>
+          </a:p>
+          <a:p>
+            <a:pPr marL="342900" indent="-342900">
+              <a:buAutoNum type="arabicPeriod"/>
+            </a:pPr>
+            <a:r>
+              <a:rPr lang="en-US" dirty="0" smtClean="0"/>
+              <a:t>What could you have done with </a:t>
+            </a:r>
+            <a:r>
+              <a:rPr lang="en-US" dirty="0" err="1" smtClean="0"/>
+              <a:t>VerifyEmailIsntInUse</a:t>
+            </a:r>
+            <a:r>
+              <a:rPr lang="en-US" dirty="0" smtClean="0"/>
+              <a:t> to make the method easier to test?</a:t>
+            </a:r>
+          </a:p>
+          <a:p>
+            <a:r>
+              <a:rPr lang="en-US" dirty="0" smtClean="0"/>
+              <a:t>2. How would/could Spiral Testing apply here?</a:t>
+            </a:r>
+            <a:endParaRPr lang="en-US" dirty="0"/>
+          </a:p>
+        </p:txBody>
+      </p:sp>
+      <p:sp>
+        <p:nvSpPr>
+          <p:cNvPr id="7" name="Text Placeholder 6"/>
+          <p:cNvSpPr>
+            <a:spLocks noGrp="1"/>
+          </p:cNvSpPr>
+          <p:nvPr>
+            <p:ph type="body" sz="quarter" idx="11"/>
+          </p:nvPr>
+        </p:nvSpPr>
+        <p:spPr/>
+        <p:txBody>
+          <a:bodyPr/>
+          <a:lstStyle/>
+          <a:p>
+            <a:endParaRPr lang="en-US"/>
+          </a:p>
+        </p:txBody>
+      </p:sp>
+    </p:spTree>
+    <p:extLst>
+      <p:ext uri="{BB962C8B-B14F-4D97-AF65-F5344CB8AC3E}">
+        <p14:creationId xmlns:p14="http://schemas.microsoft.com/office/powerpoint/2010/main" val="1923451279"/>
+      </p:ext>
+    </p:extLst>
+  </p:cSld>
+  <p:clrMapOvr>
+    <a:masterClrMapping/>
+  </p:clrMapOvr>
+  <mc:AlternateContent xmlns:mc="http://schemas.openxmlformats.org/markup-compatibility/2006" xmlns:p14="http://schemas.microsoft.com/office/powerpoint/2010/main">
+    <mc:Choice Requires="p14">
+      <p:transition spd="med" p14:dur="700">
+        <p:fade/>
+      </p:transition>
+    </mc:Choice>
+    <mc:Fallback xmlns="">
+      <p:transition spd="med">
+        <p:fade/>
+      </p:transition>
+    </mc:Fallback>
+  </mc:AlternateContent>
+</p:sld>
+</file>
+
+<file path=ppt/slides/slide15.xml><?xml version="1.0" encoding="utf-8"?>
+<p:sld xmlns:a="http://schemas.openxmlformats.org/drawingml/2006/main" xmlns:r="http://schemas.openxmlformats.org/officeDocument/2006/relationships" xmlns:p="http://schemas.openxmlformats.org/presentationml/2006/main">
+  <p:cSld>
+    <p:spTree>
+      <p:nvGrpSpPr>
+        <p:cNvPr id="1" name=""/>
+        <p:cNvGrpSpPr/>
+        <p:nvPr/>
+      </p:nvGrpSpPr>
+      <p:grpSpPr>
+        <a:xfrm>
+          <a:off x="0" y="0"/>
+          <a:ext cx="0" cy="0"/>
+          <a:chOff x="0" y="0"/>
+          <a:chExt cx="0" cy="0"/>
+        </a:xfrm>
+      </p:grpSpPr>
+      <p:sp>
+        <p:nvSpPr>
+          <p:cNvPr id="2" name="Title 1"/>
+          <p:cNvSpPr>
+            <a:spLocks noGrp="1"/>
+          </p:cNvSpPr>
+          <p:nvPr>
+            <p:ph type="ctrTitle"/>
+          </p:nvPr>
+        </p:nvSpPr>
+        <p:spPr/>
+        <p:txBody>
+          <a:bodyPr/>
+          <a:lstStyle/>
+          <a:p>
+            <a:r>
+              <a:rPr lang="en-US" dirty="0" smtClean="0"/>
+              <a:t>Discussion and Feedback</a:t>
+            </a:r>
+            <a:endParaRPr lang="en-US" dirty="0"/>
+          </a:p>
+        </p:txBody>
+      </p:sp>
+      <p:sp>
+        <p:nvSpPr>
+          <p:cNvPr id="3" name="Content Placeholder 2"/>
+          <p:cNvSpPr>
+            <a:spLocks noGrp="1"/>
+          </p:cNvSpPr>
+          <p:nvPr>
+            <p:ph sz="quarter" idx="10"/>
+          </p:nvPr>
+        </p:nvSpPr>
+        <p:spPr/>
+        <p:txBody>
+          <a:bodyPr/>
+          <a:lstStyle/>
+          <a:p>
+            <a:r>
+              <a:rPr lang="en-US" dirty="0" smtClean="0"/>
+              <a:t>Good? Bad? Worth it?</a:t>
+            </a:r>
+          </a:p>
+        </p:txBody>
+      </p:sp>
+      <p:sp>
+        <p:nvSpPr>
+          <p:cNvPr id="5" name="Text Placeholder 4"/>
+          <p:cNvSpPr>
+            <a:spLocks noGrp="1"/>
+          </p:cNvSpPr>
+          <p:nvPr>
+            <p:ph type="body" sz="quarter" idx="11"/>
+          </p:nvPr>
+        </p:nvSpPr>
+        <p:spPr/>
+        <p:txBody>
+          <a:bodyPr/>
+          <a:lstStyle/>
+          <a:p>
+            <a:endParaRPr lang="en-US"/>
+          </a:p>
+        </p:txBody>
+      </p:sp>
+    </p:spTree>
+    <p:extLst>
+      <p:ext uri="{BB962C8B-B14F-4D97-AF65-F5344CB8AC3E}">
+        <p14:creationId xmlns:p14="http://schemas.microsoft.com/office/powerpoint/2010/main" val="463568421"/>
       </p:ext>
     </p:extLst>
   </p:cSld>
@@ -38328,13 +39166,13 @@
   <p:clrMapOvr>
     <a:masterClrMapping/>
   </p:clrMapOvr>
-  <mc:AlternateContent xmlns:mc="http://schemas.openxmlformats.org/markup-compatibility/2006">
-    <mc:Choice xmlns:p14="http://schemas.microsoft.com/office/powerpoint/2010/main" Requires="p14">
+  <mc:AlternateContent xmlns:mc="http://schemas.openxmlformats.org/markup-compatibility/2006" xmlns:p14="http://schemas.microsoft.com/office/powerpoint/2010/main">
+    <mc:Choice Requires="p14">
       <p:transition spd="med" p14:dur="700">
         <p:fade/>
       </p:transition>
     </mc:Choice>
-    <mc:Fallback>
+    <mc:Fallback xmlns="">
       <p:transition spd="med">
         <p:fade/>
       </p:transition>
@@ -38642,81 +39480,268 @@
             <p:ph sz="quarter" idx="10"/>
           </p:nvPr>
         </p:nvSpPr>
-        <p:spPr/>
+        <p:spPr>
+          <a:xfrm>
+            <a:off x="698644" y="1828800"/>
+            <a:ext cx="7988156" cy="251670"/>
+          </a:xfrm>
+        </p:spPr>
         <p:txBody>
           <a:bodyPr/>
           <a:lstStyle/>
           <a:p>
             <a:pPr lvl="0"/>
             <a:r>
-              <a:rPr lang="en-US" dirty="0" err="1" smtClean="0"/>
+              <a:rPr lang="en-US" sz="1200" dirty="0" err="1" smtClean="0"/>
               <a:t>UnitTestWorkshop.Business.Providers.Passwords.GeneratePassword</a:t>
             </a:r>
             <a:r>
-              <a:rPr lang="en-US" dirty="0" smtClean="0"/>
+              <a:rPr lang="en-US" sz="1200" dirty="0" smtClean="0"/>
               <a:t>()</a:t>
             </a:r>
+            <a:endParaRPr lang="en-US" sz="1200" dirty="0"/>
+          </a:p>
+          <a:p>
+            <a:pPr lvl="1"/>
             <a:endParaRPr lang="en-US" dirty="0"/>
           </a:p>
+        </p:txBody>
+      </p:sp>
+      <p:pic>
+        <p:nvPicPr>
+          <p:cNvPr id="4" name="Picture 3"/>
+          <p:cNvPicPr>
+            <a:picLocks noChangeAspect="1"/>
+          </p:cNvPicPr>
+          <p:nvPr/>
+        </p:nvPicPr>
+        <p:blipFill>
+          <a:blip r:embed="rId2"/>
+          <a:stretch>
+            <a:fillRect/>
+          </a:stretch>
+        </p:blipFill>
+        <p:spPr>
+          <a:xfrm>
+            <a:off x="617770" y="2012921"/>
+            <a:ext cx="6029325" cy="1238250"/>
+          </a:xfrm>
+          <a:prstGeom prst="rect">
+            <a:avLst/>
+          </a:prstGeom>
+        </p:spPr>
+      </p:pic>
+      <p:sp>
+        <p:nvSpPr>
+          <p:cNvPr id="6" name="Content Placeholder 2"/>
+          <p:cNvSpPr txBox="1">
+            <a:spLocks/>
+          </p:cNvSpPr>
+          <p:nvPr/>
+        </p:nvSpPr>
+        <p:spPr>
+          <a:xfrm>
+            <a:off x="698644" y="3251171"/>
+            <a:ext cx="7988156" cy="3174796"/>
+          </a:xfrm>
+          <a:prstGeom prst="rect">
+            <a:avLst/>
+          </a:prstGeom>
+        </p:spPr>
+        <p:txBody>
+          <a:bodyPr lIns="0" tIns="0" rIns="0" bIns="0"/>
+          <a:lstStyle>
+            <a:lvl1pPr marL="0" indent="0" algn="l" defTabSz="914400" rtl="0" eaLnBrk="1" latinLnBrk="0" hangingPunct="1">
+              <a:lnSpc>
+                <a:spcPct val="100000"/>
+              </a:lnSpc>
+              <a:spcBef>
+                <a:spcPts val="1000"/>
+              </a:spcBef>
+              <a:buClr>
+                <a:schemeClr val="tx2"/>
+              </a:buClr>
+              <a:buFont typeface="Arial" panose="020B0604020202020204" pitchFamily="34" charset="0"/>
+              <a:buNone/>
+              <a:defRPr sz="1800" kern="1200">
+                <a:solidFill>
+                  <a:schemeClr val="tx2"/>
+                </a:solidFill>
+                <a:latin typeface="Segoe UI" panose="020B0502040204020203" pitchFamily="34" charset="0"/>
+                <a:ea typeface="Segoe UI" panose="020B0502040204020203" pitchFamily="34" charset="0"/>
+                <a:cs typeface="Segoe UI" panose="020B0502040204020203" pitchFamily="34" charset="0"/>
+              </a:defRPr>
+            </a:lvl1pPr>
+            <a:lvl2pPr marL="742950" indent="-285750" algn="l" defTabSz="914400" rtl="0" eaLnBrk="1" latinLnBrk="0" hangingPunct="1">
+              <a:lnSpc>
+                <a:spcPct val="100000"/>
+              </a:lnSpc>
+              <a:spcBef>
+                <a:spcPts val="500"/>
+              </a:spcBef>
+              <a:buClr>
+                <a:schemeClr val="tx2"/>
+              </a:buClr>
+              <a:buSzPct val="80000"/>
+              <a:buFont typeface="Arial" panose="020B0604020202020204" pitchFamily="34" charset="0"/>
+              <a:buChar char="•"/>
+              <a:defRPr sz="1600" kern="1200">
+                <a:solidFill>
+                  <a:schemeClr val="tx2"/>
+                </a:solidFill>
+                <a:latin typeface="+mn-lt"/>
+                <a:ea typeface="Segoe UI" panose="020B0502040204020203" pitchFamily="34" charset="0"/>
+                <a:cs typeface="Segoe UI" panose="020B0502040204020203" pitchFamily="34" charset="0"/>
+              </a:defRPr>
+            </a:lvl2pPr>
+            <a:lvl3pPr marL="1143000" indent="-228600" algn="l" defTabSz="914400" rtl="0" eaLnBrk="1" latinLnBrk="0" hangingPunct="1">
+              <a:lnSpc>
+                <a:spcPct val="100000"/>
+              </a:lnSpc>
+              <a:spcBef>
+                <a:spcPts val="500"/>
+              </a:spcBef>
+              <a:buClr>
+                <a:schemeClr val="tx2"/>
+              </a:buClr>
+              <a:buSzPct val="80000"/>
+              <a:buFont typeface="Arial" panose="020B0604020202020204" pitchFamily="34" charset="0"/>
+              <a:buChar char="•"/>
+              <a:defRPr sz="1600" kern="1200">
+                <a:solidFill>
+                  <a:schemeClr val="tx2"/>
+                </a:solidFill>
+                <a:latin typeface="+mn-lt"/>
+                <a:ea typeface="+mn-ea"/>
+                <a:cs typeface="+mn-cs"/>
+              </a:defRPr>
+            </a:lvl3pPr>
+            <a:lvl4pPr marL="1600200" indent="-228600" algn="l" defTabSz="914400" rtl="0" eaLnBrk="1" latinLnBrk="0" hangingPunct="1">
+              <a:lnSpc>
+                <a:spcPct val="100000"/>
+              </a:lnSpc>
+              <a:spcBef>
+                <a:spcPts val="500"/>
+              </a:spcBef>
+              <a:buClr>
+                <a:schemeClr val="tx2"/>
+              </a:buClr>
+              <a:buSzPct val="80000"/>
+              <a:buFont typeface="Arial" panose="020B0604020202020204" pitchFamily="34" charset="0"/>
+              <a:buChar char="•"/>
+              <a:defRPr sz="1600" kern="1200" baseline="0">
+                <a:solidFill>
+                  <a:schemeClr val="tx2"/>
+                </a:solidFill>
+                <a:latin typeface="+mn-lt"/>
+                <a:ea typeface="+mn-ea"/>
+                <a:cs typeface="+mn-cs"/>
+              </a:defRPr>
+            </a:lvl4pPr>
+            <a:lvl5pPr marL="2057400" indent="-228600" algn="l" defTabSz="914400" rtl="0" eaLnBrk="1" latinLnBrk="0" hangingPunct="1">
+              <a:lnSpc>
+                <a:spcPct val="100000"/>
+              </a:lnSpc>
+              <a:spcBef>
+                <a:spcPts val="500"/>
+              </a:spcBef>
+              <a:buClr>
+                <a:schemeClr val="tx2"/>
+              </a:buClr>
+              <a:buSzPct val="80000"/>
+              <a:buFont typeface="Arial" panose="020B0604020202020204" pitchFamily="34" charset="0"/>
+              <a:buChar char="•"/>
+              <a:defRPr sz="1600" kern="1200">
+                <a:solidFill>
+                  <a:schemeClr val="tx2"/>
+                </a:solidFill>
+                <a:latin typeface="+mn-lt"/>
+                <a:ea typeface="+mn-ea"/>
+                <a:cs typeface="+mn-cs"/>
+              </a:defRPr>
+            </a:lvl5pPr>
+            <a:lvl6pPr marL="2514600" indent="-228600" algn="l" defTabSz="914400" rtl="0" eaLnBrk="1" latinLnBrk="0" hangingPunct="1">
+              <a:lnSpc>
+                <a:spcPct val="90000"/>
+              </a:lnSpc>
+              <a:spcBef>
+                <a:spcPts val="500"/>
+              </a:spcBef>
+              <a:buFont typeface="Arial" panose="020B0604020202020204" pitchFamily="34" charset="0"/>
+              <a:buChar char="•"/>
+              <a:defRPr sz="1800" kern="1200">
+                <a:solidFill>
+                  <a:schemeClr val="tx1"/>
+                </a:solidFill>
+                <a:latin typeface="+mn-lt"/>
+                <a:ea typeface="+mn-ea"/>
+                <a:cs typeface="+mn-cs"/>
+              </a:defRPr>
+            </a:lvl6pPr>
+            <a:lvl7pPr marL="2971800" indent="-228600" algn="l" defTabSz="914400" rtl="0" eaLnBrk="1" latinLnBrk="0" hangingPunct="1">
+              <a:lnSpc>
+                <a:spcPct val="90000"/>
+              </a:lnSpc>
+              <a:spcBef>
+                <a:spcPts val="500"/>
+              </a:spcBef>
+              <a:buFont typeface="Arial" panose="020B0604020202020204" pitchFamily="34" charset="0"/>
+              <a:buChar char="•"/>
+              <a:defRPr sz="1800" kern="1200">
+                <a:solidFill>
+                  <a:schemeClr val="tx1"/>
+                </a:solidFill>
+                <a:latin typeface="+mn-lt"/>
+                <a:ea typeface="+mn-ea"/>
+                <a:cs typeface="+mn-cs"/>
+              </a:defRPr>
+            </a:lvl7pPr>
+            <a:lvl8pPr marL="3429000" indent="-228600" algn="l" defTabSz="914400" rtl="0" eaLnBrk="1" latinLnBrk="0" hangingPunct="1">
+              <a:lnSpc>
+                <a:spcPct val="90000"/>
+              </a:lnSpc>
+              <a:spcBef>
+                <a:spcPts val="500"/>
+              </a:spcBef>
+              <a:buFont typeface="Arial" panose="020B0604020202020204" pitchFamily="34" charset="0"/>
+              <a:buChar char="•"/>
+              <a:defRPr sz="1800" kern="1200">
+                <a:solidFill>
+                  <a:schemeClr val="tx1"/>
+                </a:solidFill>
+                <a:latin typeface="+mn-lt"/>
+                <a:ea typeface="+mn-ea"/>
+                <a:cs typeface="+mn-cs"/>
+              </a:defRPr>
+            </a:lvl8pPr>
+            <a:lvl9pPr marL="3886200" indent="-228600" algn="l" defTabSz="914400" rtl="0" eaLnBrk="1" latinLnBrk="0" hangingPunct="1">
+              <a:lnSpc>
+                <a:spcPct val="90000"/>
+              </a:lnSpc>
+              <a:spcBef>
+                <a:spcPts val="500"/>
+              </a:spcBef>
+              <a:buFont typeface="Arial" panose="020B0604020202020204" pitchFamily="34" charset="0"/>
+              <a:buChar char="•"/>
+              <a:defRPr sz="1800" kern="1200">
+                <a:solidFill>
+                  <a:schemeClr val="tx1"/>
+                </a:solidFill>
+                <a:latin typeface="+mn-lt"/>
+                <a:ea typeface="+mn-ea"/>
+                <a:cs typeface="+mn-cs"/>
+              </a:defRPr>
+            </a:lvl9pPr>
+          </a:lstStyle>
+          <a:p>
+            <a:r>
+              <a:rPr lang="en-US" sz="1200" dirty="0" smtClean="0"/>
+              <a:t>In terms of unit testing, what value does this strategy provide?</a:t>
+            </a:r>
+          </a:p>
           <a:p>
             <a:pPr lvl="1"/>
-            <a:r>
-              <a:rPr lang="en-US" dirty="0"/>
-              <a:t>Should </a:t>
-            </a:r>
-            <a:r>
-              <a:rPr lang="en-US" dirty="0" smtClean="0"/>
-              <a:t>it be tested</a:t>
-            </a:r>
-            <a:r>
-              <a:rPr lang="en-US" dirty="0"/>
-              <a:t>?</a:t>
-            </a:r>
-          </a:p>
-          <a:p>
-            <a:pPr lvl="1"/>
-            <a:r>
-              <a:rPr lang="en-US" dirty="0" smtClean="0"/>
-              <a:t>Why is it </a:t>
-            </a:r>
-            <a:r>
-              <a:rPr lang="en-US" dirty="0"/>
-              <a:t>in a </a:t>
-            </a:r>
-            <a:r>
-              <a:rPr lang="en-US" dirty="0" smtClean="0"/>
-              <a:t>wrapper?</a:t>
-            </a:r>
-          </a:p>
-          <a:p>
-            <a:pPr lvl="1"/>
-            <a:r>
-              <a:rPr lang="en-US" dirty="0" smtClean="0"/>
-              <a:t>Where else have you seen this done?</a:t>
-            </a:r>
             <a:endParaRPr lang="en-US" dirty="0"/>
-          </a:p>
-          <a:p>
-            <a:endParaRPr lang="en-US" dirty="0"/>
-          </a:p>
-        </p:txBody>
-      </p:sp>
-      <p:sp>
-        <p:nvSpPr>
-          <p:cNvPr id="5" name="Text Placeholder 4"/>
-          <p:cNvSpPr>
-            <a:spLocks noGrp="1"/>
-          </p:cNvSpPr>
-          <p:nvPr>
-            <p:ph type="body" sz="quarter" idx="11"/>
-          </p:nvPr>
-        </p:nvSpPr>
-        <p:spPr/>
-        <p:txBody>
-          <a:bodyPr/>
-          <a:lstStyle/>
-          <a:p>
-            <a:endParaRPr lang="en-US"/>
           </a:p>
         </p:txBody>
       </p:sp>
@@ -38779,7 +39804,7 @@
           <a:p>
             <a:r>
               <a:rPr lang="en-US" dirty="0" smtClean="0"/>
-              <a:t>Setup Test using Class Initializer</a:t>
+              <a:t>Class Discussion</a:t>
             </a:r>
             <a:endParaRPr lang="en-US" dirty="0"/>
           </a:p>
@@ -38795,84 +39820,290 @@
             <p:ph sz="quarter" idx="10"/>
           </p:nvPr>
         </p:nvSpPr>
-        <p:spPr/>
+        <p:spPr>
+          <a:xfrm>
+            <a:off x="698644" y="1828800"/>
+            <a:ext cx="7988156" cy="251670"/>
+          </a:xfrm>
+        </p:spPr>
         <p:txBody>
           <a:bodyPr/>
           <a:lstStyle/>
           <a:p>
-            <a:r>
-              <a:rPr lang="en-US" dirty="0" smtClean="0"/>
-              <a:t>MS Test allows you to use something called a class initializer. This gives you the ability to take all over your test setup and put it into one place for use on multiple tests.</a:t>
-            </a:r>
-            <a:br>
-              <a:rPr lang="en-US" dirty="0" smtClean="0"/>
-            </a:br>
-            <a:r>
-              <a:rPr lang="en-US" dirty="0" smtClean="0"/>
-              <a:t/>
-            </a:r>
-            <a:br>
-              <a:rPr lang="en-US" dirty="0" smtClean="0"/>
-            </a:br>
-            <a:r>
-              <a:rPr lang="en-US" dirty="0" smtClean="0"/>
-              <a:t>Create the Unit Test Class for the class </a:t>
-            </a:r>
-            <a:r>
-              <a:rPr lang="en-US" dirty="0" err="1" smtClean="0"/>
-              <a:t>UnitTestWorkshop.Business.Providers.UserAccountProvider</a:t>
-            </a:r>
-            <a:r>
-              <a:rPr lang="en-US" dirty="0" smtClean="0"/>
-              <a:t>.</a:t>
-            </a:r>
-          </a:p>
-          <a:p>
+            <a:pPr lvl="0"/>
+            <a:r>
+              <a:rPr lang="en-US" sz="1200" dirty="0" err="1" smtClean="0"/>
+              <a:t>UnitTestWorkshop.Business.Providers.Passwords.GeneratePassword</a:t>
+            </a:r>
+            <a:r>
+              <a:rPr lang="en-US" sz="1200" dirty="0" smtClean="0"/>
+              <a:t>()</a:t>
+            </a:r>
+            <a:endParaRPr lang="en-US" sz="1200" dirty="0"/>
+          </a:p>
+          <a:p>
+            <a:pPr lvl="1"/>
             <a:endParaRPr lang="en-US" dirty="0"/>
           </a:p>
-          <a:p>
-            <a:r>
-              <a:rPr lang="en-US" dirty="0" smtClean="0"/>
-              <a:t>Code Review with Group.</a:t>
-            </a:r>
-          </a:p>
-          <a:p>
+        </p:txBody>
+      </p:sp>
+      <p:pic>
+        <p:nvPicPr>
+          <p:cNvPr id="4" name="Picture 3"/>
+          <p:cNvPicPr>
+            <a:picLocks noChangeAspect="1"/>
+          </p:cNvPicPr>
+          <p:nvPr/>
+        </p:nvPicPr>
+        <p:blipFill>
+          <a:blip r:embed="rId2"/>
+          <a:stretch>
+            <a:fillRect/>
+          </a:stretch>
+        </p:blipFill>
+        <p:spPr>
+          <a:xfrm>
+            <a:off x="617770" y="2012921"/>
+            <a:ext cx="6029325" cy="1238250"/>
+          </a:xfrm>
+          <a:prstGeom prst="rect">
+            <a:avLst/>
+          </a:prstGeom>
+        </p:spPr>
+      </p:pic>
+      <p:sp>
+        <p:nvSpPr>
+          <p:cNvPr id="6" name="Content Placeholder 2"/>
+          <p:cNvSpPr txBox="1">
+            <a:spLocks/>
+          </p:cNvSpPr>
+          <p:nvPr/>
+        </p:nvSpPr>
+        <p:spPr>
+          <a:xfrm>
+            <a:off x="698644" y="3251171"/>
+            <a:ext cx="7988156" cy="3174796"/>
+          </a:xfrm>
+          <a:prstGeom prst="rect">
+            <a:avLst/>
+          </a:prstGeom>
+        </p:spPr>
+        <p:txBody>
+          <a:bodyPr lIns="0" tIns="0" rIns="0" bIns="0"/>
+          <a:lstStyle>
+            <a:lvl1pPr marL="0" indent="0" algn="l" defTabSz="914400" rtl="0" eaLnBrk="1" latinLnBrk="0" hangingPunct="1">
+              <a:lnSpc>
+                <a:spcPct val="100000"/>
+              </a:lnSpc>
+              <a:spcBef>
+                <a:spcPts val="1000"/>
+              </a:spcBef>
+              <a:buClr>
+                <a:schemeClr val="tx2"/>
+              </a:buClr>
+              <a:buFont typeface="Arial" panose="020B0604020202020204" pitchFamily="34" charset="0"/>
+              <a:buNone/>
+              <a:defRPr sz="1800" kern="1200">
+                <a:solidFill>
+                  <a:schemeClr val="tx2"/>
+                </a:solidFill>
+                <a:latin typeface="Segoe UI" panose="020B0502040204020203" pitchFamily="34" charset="0"/>
+                <a:ea typeface="Segoe UI" panose="020B0502040204020203" pitchFamily="34" charset="0"/>
+                <a:cs typeface="Segoe UI" panose="020B0502040204020203" pitchFamily="34" charset="0"/>
+              </a:defRPr>
+            </a:lvl1pPr>
+            <a:lvl2pPr marL="742950" indent="-285750" algn="l" defTabSz="914400" rtl="0" eaLnBrk="1" latinLnBrk="0" hangingPunct="1">
+              <a:lnSpc>
+                <a:spcPct val="100000"/>
+              </a:lnSpc>
+              <a:spcBef>
+                <a:spcPts val="500"/>
+              </a:spcBef>
+              <a:buClr>
+                <a:schemeClr val="tx2"/>
+              </a:buClr>
+              <a:buSzPct val="80000"/>
+              <a:buFont typeface="Arial" panose="020B0604020202020204" pitchFamily="34" charset="0"/>
+              <a:buChar char="•"/>
+              <a:defRPr sz="1600" kern="1200">
+                <a:solidFill>
+                  <a:schemeClr val="tx2"/>
+                </a:solidFill>
+                <a:latin typeface="+mn-lt"/>
+                <a:ea typeface="Segoe UI" panose="020B0502040204020203" pitchFamily="34" charset="0"/>
+                <a:cs typeface="Segoe UI" panose="020B0502040204020203" pitchFamily="34" charset="0"/>
+              </a:defRPr>
+            </a:lvl2pPr>
+            <a:lvl3pPr marL="1143000" indent="-228600" algn="l" defTabSz="914400" rtl="0" eaLnBrk="1" latinLnBrk="0" hangingPunct="1">
+              <a:lnSpc>
+                <a:spcPct val="100000"/>
+              </a:lnSpc>
+              <a:spcBef>
+                <a:spcPts val="500"/>
+              </a:spcBef>
+              <a:buClr>
+                <a:schemeClr val="tx2"/>
+              </a:buClr>
+              <a:buSzPct val="80000"/>
+              <a:buFont typeface="Arial" panose="020B0604020202020204" pitchFamily="34" charset="0"/>
+              <a:buChar char="•"/>
+              <a:defRPr sz="1600" kern="1200">
+                <a:solidFill>
+                  <a:schemeClr val="tx2"/>
+                </a:solidFill>
+                <a:latin typeface="+mn-lt"/>
+                <a:ea typeface="+mn-ea"/>
+                <a:cs typeface="+mn-cs"/>
+              </a:defRPr>
+            </a:lvl3pPr>
+            <a:lvl4pPr marL="1600200" indent="-228600" algn="l" defTabSz="914400" rtl="0" eaLnBrk="1" latinLnBrk="0" hangingPunct="1">
+              <a:lnSpc>
+                <a:spcPct val="100000"/>
+              </a:lnSpc>
+              <a:spcBef>
+                <a:spcPts val="500"/>
+              </a:spcBef>
+              <a:buClr>
+                <a:schemeClr val="tx2"/>
+              </a:buClr>
+              <a:buSzPct val="80000"/>
+              <a:buFont typeface="Arial" panose="020B0604020202020204" pitchFamily="34" charset="0"/>
+              <a:buChar char="•"/>
+              <a:defRPr sz="1600" kern="1200" baseline="0">
+                <a:solidFill>
+                  <a:schemeClr val="tx2"/>
+                </a:solidFill>
+                <a:latin typeface="+mn-lt"/>
+                <a:ea typeface="+mn-ea"/>
+                <a:cs typeface="+mn-cs"/>
+              </a:defRPr>
+            </a:lvl4pPr>
+            <a:lvl5pPr marL="2057400" indent="-228600" algn="l" defTabSz="914400" rtl="0" eaLnBrk="1" latinLnBrk="0" hangingPunct="1">
+              <a:lnSpc>
+                <a:spcPct val="100000"/>
+              </a:lnSpc>
+              <a:spcBef>
+                <a:spcPts val="500"/>
+              </a:spcBef>
+              <a:buClr>
+                <a:schemeClr val="tx2"/>
+              </a:buClr>
+              <a:buSzPct val="80000"/>
+              <a:buFont typeface="Arial" panose="020B0604020202020204" pitchFamily="34" charset="0"/>
+              <a:buChar char="•"/>
+              <a:defRPr sz="1600" kern="1200">
+                <a:solidFill>
+                  <a:schemeClr val="tx2"/>
+                </a:solidFill>
+                <a:latin typeface="+mn-lt"/>
+                <a:ea typeface="+mn-ea"/>
+                <a:cs typeface="+mn-cs"/>
+              </a:defRPr>
+            </a:lvl5pPr>
+            <a:lvl6pPr marL="2514600" indent="-228600" algn="l" defTabSz="914400" rtl="0" eaLnBrk="1" latinLnBrk="0" hangingPunct="1">
+              <a:lnSpc>
+                <a:spcPct val="90000"/>
+              </a:lnSpc>
+              <a:spcBef>
+                <a:spcPts val="500"/>
+              </a:spcBef>
+              <a:buFont typeface="Arial" panose="020B0604020202020204" pitchFamily="34" charset="0"/>
+              <a:buChar char="•"/>
+              <a:defRPr sz="1800" kern="1200">
+                <a:solidFill>
+                  <a:schemeClr val="tx1"/>
+                </a:solidFill>
+                <a:latin typeface="+mn-lt"/>
+                <a:ea typeface="+mn-ea"/>
+                <a:cs typeface="+mn-cs"/>
+              </a:defRPr>
+            </a:lvl6pPr>
+            <a:lvl7pPr marL="2971800" indent="-228600" algn="l" defTabSz="914400" rtl="0" eaLnBrk="1" latinLnBrk="0" hangingPunct="1">
+              <a:lnSpc>
+                <a:spcPct val="90000"/>
+              </a:lnSpc>
+              <a:spcBef>
+                <a:spcPts val="500"/>
+              </a:spcBef>
+              <a:buFont typeface="Arial" panose="020B0604020202020204" pitchFamily="34" charset="0"/>
+              <a:buChar char="•"/>
+              <a:defRPr sz="1800" kern="1200">
+                <a:solidFill>
+                  <a:schemeClr val="tx1"/>
+                </a:solidFill>
+                <a:latin typeface="+mn-lt"/>
+                <a:ea typeface="+mn-ea"/>
+                <a:cs typeface="+mn-cs"/>
+              </a:defRPr>
+            </a:lvl7pPr>
+            <a:lvl8pPr marL="3429000" indent="-228600" algn="l" defTabSz="914400" rtl="0" eaLnBrk="1" latinLnBrk="0" hangingPunct="1">
+              <a:lnSpc>
+                <a:spcPct val="90000"/>
+              </a:lnSpc>
+              <a:spcBef>
+                <a:spcPts val="500"/>
+              </a:spcBef>
+              <a:buFont typeface="Arial" panose="020B0604020202020204" pitchFamily="34" charset="0"/>
+              <a:buChar char="•"/>
+              <a:defRPr sz="1800" kern="1200">
+                <a:solidFill>
+                  <a:schemeClr val="tx1"/>
+                </a:solidFill>
+                <a:latin typeface="+mn-lt"/>
+                <a:ea typeface="+mn-ea"/>
+                <a:cs typeface="+mn-cs"/>
+              </a:defRPr>
+            </a:lvl8pPr>
+            <a:lvl9pPr marL="3886200" indent="-228600" algn="l" defTabSz="914400" rtl="0" eaLnBrk="1" latinLnBrk="0" hangingPunct="1">
+              <a:lnSpc>
+                <a:spcPct val="90000"/>
+              </a:lnSpc>
+              <a:spcBef>
+                <a:spcPts val="500"/>
+              </a:spcBef>
+              <a:buFont typeface="Arial" panose="020B0604020202020204" pitchFamily="34" charset="0"/>
+              <a:buChar char="•"/>
+              <a:defRPr sz="1800" kern="1200">
+                <a:solidFill>
+                  <a:schemeClr val="tx1"/>
+                </a:solidFill>
+                <a:latin typeface="+mn-lt"/>
+                <a:ea typeface="+mn-ea"/>
+                <a:cs typeface="+mn-cs"/>
+              </a:defRPr>
+            </a:lvl9pPr>
+          </a:lstStyle>
+          <a:p>
+            <a:r>
+              <a:rPr lang="en-US" sz="1200" dirty="0" smtClean="0"/>
+              <a:t>In terms of general development, should this have been done? </a:t>
+            </a:r>
+          </a:p>
+          <a:p>
+            <a:r>
+              <a:rPr lang="en-US" sz="1200" dirty="0" smtClean="0"/>
+              <a:t>Should we not have just made call to the Membership provider everywhere we needed it?</a:t>
+            </a:r>
+          </a:p>
+          <a:p>
+            <a:r>
+              <a:rPr lang="en-US" sz="1200" dirty="0" smtClean="0"/>
+              <a:t>What, if any, benefits does this provide?</a:t>
+            </a:r>
+          </a:p>
+          <a:p>
+            <a:endParaRPr lang="en-US" sz="1200" dirty="0" smtClean="0"/>
+          </a:p>
+          <a:p>
+            <a:pPr lvl="1"/>
             <a:endParaRPr lang="en-US" dirty="0"/>
-          </a:p>
-          <a:p>
-            <a:r>
-              <a:rPr lang="en-US" dirty="0" smtClean="0"/>
-              <a:t>Discuss options for this and things to look out for when doing this.</a:t>
-            </a:r>
-          </a:p>
-          <a:p>
-            <a:endParaRPr lang="en-US" dirty="0"/>
-          </a:p>
-        </p:txBody>
-      </p:sp>
-      <p:sp>
-        <p:nvSpPr>
-          <p:cNvPr id="5" name="Text Placeholder 4"/>
-          <p:cNvSpPr>
-            <a:spLocks noGrp="1"/>
-          </p:cNvSpPr>
-          <p:nvPr>
-            <p:ph type="body" sz="quarter" idx="11"/>
-          </p:nvPr>
-        </p:nvSpPr>
-        <p:spPr/>
-        <p:txBody>
-          <a:bodyPr/>
-          <a:lstStyle/>
-          <a:p>
-            <a:endParaRPr lang="en-US"/>
           </a:p>
         </p:txBody>
       </p:sp>
     </p:spTree>
     <p:extLst>
       <p:ext uri="{BB962C8B-B14F-4D97-AF65-F5344CB8AC3E}">
-        <p14:creationId xmlns:p14="http://schemas.microsoft.com/office/powerpoint/2010/main" val="4105737574"/>
+        <p14:creationId xmlns:p14="http://schemas.microsoft.com/office/powerpoint/2010/main" val="3904571142"/>
       </p:ext>
     </p:extLst>
   </p:cSld>
@@ -38928,7 +40159,7 @@
           <a:p>
             <a:r>
               <a:rPr lang="en-US" dirty="0" smtClean="0"/>
-              <a:t>Slightly harder test (may contain bugs)</a:t>
+              <a:t>Class Discussion</a:t>
             </a:r>
             <a:endParaRPr lang="en-US" dirty="0"/>
           </a:p>
@@ -38944,126 +40175,278 @@
             <p:ph sz="quarter" idx="10"/>
           </p:nvPr>
         </p:nvSpPr>
-        <p:spPr/>
+        <p:spPr>
+          <a:xfrm>
+            <a:off x="698644" y="1828800"/>
+            <a:ext cx="7988156" cy="251670"/>
+          </a:xfrm>
+        </p:spPr>
         <p:txBody>
           <a:bodyPr/>
           <a:lstStyle/>
           <a:p>
-            <a:r>
-              <a:rPr lang="en-US" dirty="0" smtClean="0"/>
-              <a:t>Write unit test(s) around the </a:t>
-            </a:r>
-            <a:r>
-              <a:rPr lang="en-US" dirty="0" err="1" smtClean="0"/>
-              <a:t>UserAccountProvider.CreateAccount</a:t>
-            </a:r>
-            <a:r>
-              <a:rPr lang="en-US" dirty="0" smtClean="0"/>
-              <a:t>() method.</a:t>
-            </a:r>
+            <a:pPr lvl="0"/>
+            <a:r>
+              <a:rPr lang="en-US" sz="1200" dirty="0" err="1" smtClean="0"/>
+              <a:t>UnitTestWorkshop.Business.Providers.Passwords.GeneratePassword</a:t>
+            </a:r>
+            <a:r>
+              <a:rPr lang="en-US" sz="1200" dirty="0" smtClean="0"/>
+              <a:t>()</a:t>
+            </a:r>
+            <a:endParaRPr lang="en-US" sz="1200" dirty="0"/>
+          </a:p>
+          <a:p>
+            <a:pPr lvl="1"/>
             <a:endParaRPr lang="en-US" dirty="0"/>
           </a:p>
-          <a:p>
-            <a:r>
-              <a:rPr lang="en-US" dirty="0" smtClean="0"/>
-              <a:t>Code Review as a Group.</a:t>
-            </a:r>
-          </a:p>
-          <a:p>
+        </p:txBody>
+      </p:sp>
+      <p:pic>
+        <p:nvPicPr>
+          <p:cNvPr id="4" name="Picture 3"/>
+          <p:cNvPicPr>
+            <a:picLocks noChangeAspect="1"/>
+          </p:cNvPicPr>
+          <p:nvPr/>
+        </p:nvPicPr>
+        <p:blipFill>
+          <a:blip r:embed="rId2"/>
+          <a:stretch>
+            <a:fillRect/>
+          </a:stretch>
+        </p:blipFill>
+        <p:spPr>
+          <a:xfrm>
+            <a:off x="617770" y="2012921"/>
+            <a:ext cx="6029325" cy="1238250"/>
+          </a:xfrm>
+          <a:prstGeom prst="rect">
+            <a:avLst/>
+          </a:prstGeom>
+        </p:spPr>
+      </p:pic>
+      <p:sp>
+        <p:nvSpPr>
+          <p:cNvPr id="6" name="Content Placeholder 2"/>
+          <p:cNvSpPr txBox="1">
+            <a:spLocks/>
+          </p:cNvSpPr>
+          <p:nvPr/>
+        </p:nvSpPr>
+        <p:spPr>
+          <a:xfrm>
+            <a:off x="698644" y="3251171"/>
+            <a:ext cx="7988156" cy="3174796"/>
+          </a:xfrm>
+          <a:prstGeom prst="rect">
+            <a:avLst/>
+          </a:prstGeom>
+        </p:spPr>
+        <p:txBody>
+          <a:bodyPr lIns="0" tIns="0" rIns="0" bIns="0"/>
+          <a:lstStyle>
+            <a:lvl1pPr marL="0" indent="0" algn="l" defTabSz="914400" rtl="0" eaLnBrk="1" latinLnBrk="0" hangingPunct="1">
+              <a:lnSpc>
+                <a:spcPct val="100000"/>
+              </a:lnSpc>
+              <a:spcBef>
+                <a:spcPts val="1000"/>
+              </a:spcBef>
+              <a:buClr>
+                <a:schemeClr val="tx2"/>
+              </a:buClr>
+              <a:buFont typeface="Arial" panose="020B0604020202020204" pitchFamily="34" charset="0"/>
+              <a:buNone/>
+              <a:defRPr sz="1800" kern="1200">
+                <a:solidFill>
+                  <a:schemeClr val="tx2"/>
+                </a:solidFill>
+                <a:latin typeface="Segoe UI" panose="020B0502040204020203" pitchFamily="34" charset="0"/>
+                <a:ea typeface="Segoe UI" panose="020B0502040204020203" pitchFamily="34" charset="0"/>
+                <a:cs typeface="Segoe UI" panose="020B0502040204020203" pitchFamily="34" charset="0"/>
+              </a:defRPr>
+            </a:lvl1pPr>
+            <a:lvl2pPr marL="742950" indent="-285750" algn="l" defTabSz="914400" rtl="0" eaLnBrk="1" latinLnBrk="0" hangingPunct="1">
+              <a:lnSpc>
+                <a:spcPct val="100000"/>
+              </a:lnSpc>
+              <a:spcBef>
+                <a:spcPts val="500"/>
+              </a:spcBef>
+              <a:buClr>
+                <a:schemeClr val="tx2"/>
+              </a:buClr>
+              <a:buSzPct val="80000"/>
+              <a:buFont typeface="Arial" panose="020B0604020202020204" pitchFamily="34" charset="0"/>
+              <a:buChar char="•"/>
+              <a:defRPr sz="1600" kern="1200">
+                <a:solidFill>
+                  <a:schemeClr val="tx2"/>
+                </a:solidFill>
+                <a:latin typeface="+mn-lt"/>
+                <a:ea typeface="Segoe UI" panose="020B0502040204020203" pitchFamily="34" charset="0"/>
+                <a:cs typeface="Segoe UI" panose="020B0502040204020203" pitchFamily="34" charset="0"/>
+              </a:defRPr>
+            </a:lvl2pPr>
+            <a:lvl3pPr marL="1143000" indent="-228600" algn="l" defTabSz="914400" rtl="0" eaLnBrk="1" latinLnBrk="0" hangingPunct="1">
+              <a:lnSpc>
+                <a:spcPct val="100000"/>
+              </a:lnSpc>
+              <a:spcBef>
+                <a:spcPts val="500"/>
+              </a:spcBef>
+              <a:buClr>
+                <a:schemeClr val="tx2"/>
+              </a:buClr>
+              <a:buSzPct val="80000"/>
+              <a:buFont typeface="Arial" panose="020B0604020202020204" pitchFamily="34" charset="0"/>
+              <a:buChar char="•"/>
+              <a:defRPr sz="1600" kern="1200">
+                <a:solidFill>
+                  <a:schemeClr val="tx2"/>
+                </a:solidFill>
+                <a:latin typeface="+mn-lt"/>
+                <a:ea typeface="+mn-ea"/>
+                <a:cs typeface="+mn-cs"/>
+              </a:defRPr>
+            </a:lvl3pPr>
+            <a:lvl4pPr marL="1600200" indent="-228600" algn="l" defTabSz="914400" rtl="0" eaLnBrk="1" latinLnBrk="0" hangingPunct="1">
+              <a:lnSpc>
+                <a:spcPct val="100000"/>
+              </a:lnSpc>
+              <a:spcBef>
+                <a:spcPts val="500"/>
+              </a:spcBef>
+              <a:buClr>
+                <a:schemeClr val="tx2"/>
+              </a:buClr>
+              <a:buSzPct val="80000"/>
+              <a:buFont typeface="Arial" panose="020B0604020202020204" pitchFamily="34" charset="0"/>
+              <a:buChar char="•"/>
+              <a:defRPr sz="1600" kern="1200" baseline="0">
+                <a:solidFill>
+                  <a:schemeClr val="tx2"/>
+                </a:solidFill>
+                <a:latin typeface="+mn-lt"/>
+                <a:ea typeface="+mn-ea"/>
+                <a:cs typeface="+mn-cs"/>
+              </a:defRPr>
+            </a:lvl4pPr>
+            <a:lvl5pPr marL="2057400" indent="-228600" algn="l" defTabSz="914400" rtl="0" eaLnBrk="1" latinLnBrk="0" hangingPunct="1">
+              <a:lnSpc>
+                <a:spcPct val="100000"/>
+              </a:lnSpc>
+              <a:spcBef>
+                <a:spcPts val="500"/>
+              </a:spcBef>
+              <a:buClr>
+                <a:schemeClr val="tx2"/>
+              </a:buClr>
+              <a:buSzPct val="80000"/>
+              <a:buFont typeface="Arial" panose="020B0604020202020204" pitchFamily="34" charset="0"/>
+              <a:buChar char="•"/>
+              <a:defRPr sz="1600" kern="1200">
+                <a:solidFill>
+                  <a:schemeClr val="tx2"/>
+                </a:solidFill>
+                <a:latin typeface="+mn-lt"/>
+                <a:ea typeface="+mn-ea"/>
+                <a:cs typeface="+mn-cs"/>
+              </a:defRPr>
+            </a:lvl5pPr>
+            <a:lvl6pPr marL="2514600" indent="-228600" algn="l" defTabSz="914400" rtl="0" eaLnBrk="1" latinLnBrk="0" hangingPunct="1">
+              <a:lnSpc>
+                <a:spcPct val="90000"/>
+              </a:lnSpc>
+              <a:spcBef>
+                <a:spcPts val="500"/>
+              </a:spcBef>
+              <a:buFont typeface="Arial" panose="020B0604020202020204" pitchFamily="34" charset="0"/>
+              <a:buChar char="•"/>
+              <a:defRPr sz="1800" kern="1200">
+                <a:solidFill>
+                  <a:schemeClr val="tx1"/>
+                </a:solidFill>
+                <a:latin typeface="+mn-lt"/>
+                <a:ea typeface="+mn-ea"/>
+                <a:cs typeface="+mn-cs"/>
+              </a:defRPr>
+            </a:lvl6pPr>
+            <a:lvl7pPr marL="2971800" indent="-228600" algn="l" defTabSz="914400" rtl="0" eaLnBrk="1" latinLnBrk="0" hangingPunct="1">
+              <a:lnSpc>
+                <a:spcPct val="90000"/>
+              </a:lnSpc>
+              <a:spcBef>
+                <a:spcPts val="500"/>
+              </a:spcBef>
+              <a:buFont typeface="Arial" panose="020B0604020202020204" pitchFamily="34" charset="0"/>
+              <a:buChar char="•"/>
+              <a:defRPr sz="1800" kern="1200">
+                <a:solidFill>
+                  <a:schemeClr val="tx1"/>
+                </a:solidFill>
+                <a:latin typeface="+mn-lt"/>
+                <a:ea typeface="+mn-ea"/>
+                <a:cs typeface="+mn-cs"/>
+              </a:defRPr>
+            </a:lvl7pPr>
+            <a:lvl8pPr marL="3429000" indent="-228600" algn="l" defTabSz="914400" rtl="0" eaLnBrk="1" latinLnBrk="0" hangingPunct="1">
+              <a:lnSpc>
+                <a:spcPct val="90000"/>
+              </a:lnSpc>
+              <a:spcBef>
+                <a:spcPts val="500"/>
+              </a:spcBef>
+              <a:buFont typeface="Arial" panose="020B0604020202020204" pitchFamily="34" charset="0"/>
+              <a:buChar char="•"/>
+              <a:defRPr sz="1800" kern="1200">
+                <a:solidFill>
+                  <a:schemeClr val="tx1"/>
+                </a:solidFill>
+                <a:latin typeface="+mn-lt"/>
+                <a:ea typeface="+mn-ea"/>
+                <a:cs typeface="+mn-cs"/>
+              </a:defRPr>
+            </a:lvl8pPr>
+            <a:lvl9pPr marL="3886200" indent="-228600" algn="l" defTabSz="914400" rtl="0" eaLnBrk="1" latinLnBrk="0" hangingPunct="1">
+              <a:lnSpc>
+                <a:spcPct val="90000"/>
+              </a:lnSpc>
+              <a:spcBef>
+                <a:spcPts val="500"/>
+              </a:spcBef>
+              <a:buFont typeface="Arial" panose="020B0604020202020204" pitchFamily="34" charset="0"/>
+              <a:buChar char="•"/>
+              <a:defRPr sz="1800" kern="1200">
+                <a:solidFill>
+                  <a:schemeClr val="tx1"/>
+                </a:solidFill>
+                <a:latin typeface="+mn-lt"/>
+                <a:ea typeface="+mn-ea"/>
+                <a:cs typeface="+mn-cs"/>
+              </a:defRPr>
+            </a:lvl9pPr>
+          </a:lstStyle>
+          <a:p>
+            <a:r>
+              <a:rPr lang="en-US" sz="1200" dirty="0" smtClean="0"/>
+              <a:t>Do you know of other places this strategy is being used? Maybe something you have seen in this class already? </a:t>
+            </a:r>
+          </a:p>
+          <a:p>
+            <a:endParaRPr lang="en-US" sz="1200" dirty="0" smtClean="0"/>
+          </a:p>
+          <a:p>
+            <a:pPr lvl="1"/>
             <a:endParaRPr lang="en-US" dirty="0"/>
-          </a:p>
-          <a:p>
-            <a:r>
-              <a:rPr lang="en-US" dirty="0" smtClean="0"/>
-              <a:t>Write unit test(s) around the </a:t>
-            </a:r>
-            <a:r>
-              <a:rPr lang="en-US" dirty="0" err="1" smtClean="0"/>
-              <a:t>UserAccountProvider.RetrieveAccount</a:t>
-            </a:r>
-            <a:r>
-              <a:rPr lang="en-US" dirty="0" smtClean="0"/>
-              <a:t>() method.</a:t>
-            </a:r>
-          </a:p>
-          <a:p>
-            <a:r>
-              <a:rPr lang="en-US" dirty="0" smtClean="0"/>
-              <a:t>Code Review as a Group.</a:t>
-            </a:r>
-          </a:p>
-          <a:p>
-            <a:endParaRPr lang="en-US" dirty="0"/>
-          </a:p>
-          <a:p>
-            <a:r>
-              <a:rPr lang="en-US" dirty="0" smtClean="0"/>
-              <a:t>Write unit test(s) around the </a:t>
-            </a:r>
-            <a:r>
-              <a:rPr lang="en-US" dirty="0" err="1" smtClean="0"/>
-              <a:t>UserAccountProvider.DeleteAccount</a:t>
-            </a:r>
-            <a:r>
-              <a:rPr lang="en-US" dirty="0" smtClean="0"/>
-              <a:t>() method.</a:t>
-            </a:r>
-          </a:p>
-          <a:p>
-            <a:r>
-              <a:rPr lang="en-US" dirty="0" smtClean="0"/>
-              <a:t>Code Review as a Group.</a:t>
-            </a:r>
-          </a:p>
-          <a:p>
-            <a:endParaRPr lang="en-US" dirty="0"/>
-          </a:p>
-          <a:p>
-            <a:r>
-              <a:rPr lang="en-US" dirty="0" smtClean="0"/>
-              <a:t>Write Spiral Test(s) around the </a:t>
-            </a:r>
-            <a:r>
-              <a:rPr lang="en-US" dirty="0" err="1" smtClean="0"/>
-              <a:t>UserAuthenticationProvider.Authenticate</a:t>
-            </a:r>
-            <a:r>
-              <a:rPr lang="en-US" dirty="0" smtClean="0"/>
-              <a:t>() method.</a:t>
-            </a:r>
-          </a:p>
-          <a:p>
-            <a:r>
-              <a:rPr lang="en-US" dirty="0" smtClean="0"/>
-              <a:t>Code Review as a Group.</a:t>
-            </a:r>
-            <a:endParaRPr lang="en-US" dirty="0"/>
-          </a:p>
-        </p:txBody>
-      </p:sp>
-      <p:sp>
-        <p:nvSpPr>
-          <p:cNvPr id="7" name="Text Placeholder 6"/>
-          <p:cNvSpPr>
-            <a:spLocks noGrp="1"/>
-          </p:cNvSpPr>
-          <p:nvPr>
-            <p:ph type="body" sz="quarter" idx="11"/>
-          </p:nvPr>
-        </p:nvSpPr>
-        <p:spPr/>
-        <p:txBody>
-          <a:bodyPr/>
-          <a:lstStyle/>
-          <a:p>
-            <a:endParaRPr lang="en-US"/>
           </a:p>
         </p:txBody>
       </p:sp>
     </p:spTree>
     <p:extLst>
       <p:ext uri="{BB962C8B-B14F-4D97-AF65-F5344CB8AC3E}">
-        <p14:creationId xmlns:p14="http://schemas.microsoft.com/office/powerpoint/2010/main" val="1203451457"/>
+        <p14:creationId xmlns:p14="http://schemas.microsoft.com/office/powerpoint/2010/main" val="2221819345"/>
       </p:ext>
     </p:extLst>
   </p:cSld>
@@ -39119,7 +40502,7 @@
           <a:p>
             <a:r>
               <a:rPr lang="en-US" dirty="0" smtClean="0"/>
-              <a:t>Discussion and Feedback</a:t>
+              <a:t>Setup Test using Class/Test Initializer</a:t>
             </a:r>
             <a:endParaRPr lang="en-US" dirty="0"/>
           </a:p>
@@ -39142,8 +40525,61 @@
           <a:p>
             <a:r>
               <a:rPr lang="en-US" dirty="0" smtClean="0"/>
-              <a:t>Good? Bad? Worth it?</a:t>
-            </a:r>
+              <a:t>Class Initializer is an attribute you can place on a method in a </a:t>
+            </a:r>
+            <a:r>
+              <a:rPr lang="en-US" dirty="0" err="1" smtClean="0"/>
+              <a:t>MSTest</a:t>
+            </a:r>
+            <a:r>
+              <a:rPr lang="en-US" dirty="0" smtClean="0"/>
+              <a:t> class that will run one time before all tests are executed.</a:t>
+            </a:r>
+          </a:p>
+          <a:p>
+            <a:r>
+              <a:rPr lang="en-US" dirty="0" smtClean="0"/>
+              <a:t>Test Initializer is an attribute you can place on a method in a </a:t>
+            </a:r>
+            <a:r>
+              <a:rPr lang="en-US" dirty="0" err="1" smtClean="0"/>
+              <a:t>MSTest</a:t>
+            </a:r>
+            <a:r>
+              <a:rPr lang="en-US" dirty="0" smtClean="0"/>
+              <a:t> class that will run before each test is executed.</a:t>
+            </a:r>
+            <a:br>
+              <a:rPr lang="en-US" dirty="0" smtClean="0"/>
+            </a:br>
+            <a:r>
+              <a:rPr lang="en-US" dirty="0" smtClean="0"/>
+              <a:t/>
+            </a:r>
+            <a:br>
+              <a:rPr lang="en-US" dirty="0" smtClean="0"/>
+            </a:br>
+            <a:r>
+              <a:rPr lang="en-US" dirty="0" smtClean="0"/>
+              <a:t>When would you want to use Class Initializer?</a:t>
+            </a:r>
+            <a:br>
+              <a:rPr lang="en-US" dirty="0" smtClean="0"/>
+            </a:br>
+            <a:r>
+              <a:rPr lang="en-US" dirty="0" smtClean="0"/>
+              <a:t/>
+            </a:r>
+            <a:br>
+              <a:rPr lang="en-US" dirty="0" smtClean="0"/>
+            </a:br>
+            <a:r>
+              <a:rPr lang="en-US" dirty="0" smtClean="0"/>
+              <a:t>When would you want to use Test Initializer?</a:t>
+            </a:r>
+          </a:p>
+          <a:p>
+            <a:endParaRPr lang="en-US" dirty="0"/>
           </a:p>
         </p:txBody>
       </p:sp>
@@ -39169,7 +40605,7 @@
     </p:spTree>
     <p:extLst>
       <p:ext uri="{BB962C8B-B14F-4D97-AF65-F5344CB8AC3E}">
-        <p14:creationId xmlns:p14="http://schemas.microsoft.com/office/powerpoint/2010/main" val="463568421"/>
+        <p14:creationId xmlns:p14="http://schemas.microsoft.com/office/powerpoint/2010/main" val="4105737574"/>
       </p:ext>
     </p:extLst>
   </p:cSld>
@@ -40639,14 +42075,14 @@
 <ds:datastoreItem xmlns:ds="http://schemas.openxmlformats.org/officeDocument/2006/customXml" ds:itemID="{A9BC35ED-4834-4120-9B6C-94C253E3F331}">
   <ds:schemaRefs>
     <ds:schemaRef ds:uri="fed61328-d0c3-4d79-b5dd-5b1944323ceb"/>
+    <ds:schemaRef ds:uri="http://schemas.microsoft.com/office/2006/documentManagement/types"/>
+    <ds:schemaRef ds:uri="http://purl.org/dc/elements/1.1/"/>
+    <ds:schemaRef ds:uri="http://purl.org/dc/terms/"/>
+    <ds:schemaRef ds:uri="http://purl.org/dc/dcmitype/"/>
+    <ds:schemaRef ds:uri="http://schemas.microsoft.com/office/infopath/2007/PartnerControls"/>
+    <ds:schemaRef ds:uri="http://schemas.openxmlformats.org/package/2006/metadata/core-properties"/>
+    <ds:schemaRef ds:uri="http://schemas.microsoft.com/office/2006/metadata/properties"/>
     <ds:schemaRef ds:uri="http://www.w3.org/XML/1998/namespace"/>
-    <ds:schemaRef ds:uri="http://schemas.openxmlformats.org/package/2006/metadata/core-properties"/>
-    <ds:schemaRef ds:uri="http://schemas.microsoft.com/office/infopath/2007/PartnerControls"/>
-    <ds:schemaRef ds:uri="http://purl.org/dc/terms/"/>
-    <ds:schemaRef ds:uri="http://purl.org/dc/elements/1.1/"/>
-    <ds:schemaRef ds:uri="http://schemas.microsoft.com/office/2006/documentManagement/types"/>
-    <ds:schemaRef ds:uri="http://schemas.microsoft.com/office/2006/metadata/properties"/>
-    <ds:schemaRef ds:uri="http://purl.org/dc/dcmitype/"/>
   </ds:schemaRefs>
 </ds:datastoreItem>
 </file>
